--- a/Artefato 18 - Descrição doa processos de negócio.pptx
+++ b/Artefato 18 - Descrição doa processos de negócio.pptx
@@ -106,6 +106,11 @@
       </a:defRPr>
     </a:lvl9pPr>
   </p:defaultTextStyle>
+  <p:extLst>
+    <p:ext uri="{EFAFB233-063F-42B5-8137-9DF3F51BA10A}">
+      <p15:sldGuideLst xmlns:p15="http://schemas.microsoft.com/office/powerpoint/2012/main"/>
+    </p:ext>
+  </p:extLst>
 </p:presentation>
 </file>
 
@@ -256,7 +261,7 @@
           <a:p>
             <a:fld id="{323E8415-77D3-497D-A12F-F83B693E9467}" type="datetimeFigureOut">
               <a:rPr lang="pt-BR" smtClean="0"/>
-              <a:t>22/10/2020</a:t>
+              <a:t>10/11/2020</a:t>
             </a:fld>
             <a:endParaRPr lang="pt-BR"/>
           </a:p>
@@ -454,7 +459,7 @@
           <a:p>
             <a:fld id="{323E8415-77D3-497D-A12F-F83B693E9467}" type="datetimeFigureOut">
               <a:rPr lang="pt-BR" smtClean="0"/>
-              <a:t>22/10/2020</a:t>
+              <a:t>10/11/2020</a:t>
             </a:fld>
             <a:endParaRPr lang="pt-BR"/>
           </a:p>
@@ -662,7 +667,7 @@
           <a:p>
             <a:fld id="{323E8415-77D3-497D-A12F-F83B693E9467}" type="datetimeFigureOut">
               <a:rPr lang="pt-BR" smtClean="0"/>
-              <a:t>22/10/2020</a:t>
+              <a:t>10/11/2020</a:t>
             </a:fld>
             <a:endParaRPr lang="pt-BR"/>
           </a:p>
@@ -860,7 +865,7 @@
           <a:p>
             <a:fld id="{323E8415-77D3-497D-A12F-F83B693E9467}" type="datetimeFigureOut">
               <a:rPr lang="pt-BR" smtClean="0"/>
-              <a:t>22/10/2020</a:t>
+              <a:t>10/11/2020</a:t>
             </a:fld>
             <a:endParaRPr lang="pt-BR"/>
           </a:p>
@@ -1135,7 +1140,7 @@
           <a:p>
             <a:fld id="{323E8415-77D3-497D-A12F-F83B693E9467}" type="datetimeFigureOut">
               <a:rPr lang="pt-BR" smtClean="0"/>
-              <a:t>22/10/2020</a:t>
+              <a:t>10/11/2020</a:t>
             </a:fld>
             <a:endParaRPr lang="pt-BR"/>
           </a:p>
@@ -1400,7 +1405,7 @@
           <a:p>
             <a:fld id="{323E8415-77D3-497D-A12F-F83B693E9467}" type="datetimeFigureOut">
               <a:rPr lang="pt-BR" smtClean="0"/>
-              <a:t>22/10/2020</a:t>
+              <a:t>10/11/2020</a:t>
             </a:fld>
             <a:endParaRPr lang="pt-BR"/>
           </a:p>
@@ -1812,7 +1817,7 @@
           <a:p>
             <a:fld id="{323E8415-77D3-497D-A12F-F83B693E9467}" type="datetimeFigureOut">
               <a:rPr lang="pt-BR" smtClean="0"/>
-              <a:t>22/10/2020</a:t>
+              <a:t>10/11/2020</a:t>
             </a:fld>
             <a:endParaRPr lang="pt-BR"/>
           </a:p>
@@ -1953,7 +1958,7 @@
           <a:p>
             <a:fld id="{323E8415-77D3-497D-A12F-F83B693E9467}" type="datetimeFigureOut">
               <a:rPr lang="pt-BR" smtClean="0"/>
-              <a:t>22/10/2020</a:t>
+              <a:t>10/11/2020</a:t>
             </a:fld>
             <a:endParaRPr lang="pt-BR"/>
           </a:p>
@@ -2066,7 +2071,7 @@
           <a:p>
             <a:fld id="{323E8415-77D3-497D-A12F-F83B693E9467}" type="datetimeFigureOut">
               <a:rPr lang="pt-BR" smtClean="0"/>
-              <a:t>22/10/2020</a:t>
+              <a:t>10/11/2020</a:t>
             </a:fld>
             <a:endParaRPr lang="pt-BR"/>
           </a:p>
@@ -2377,7 +2382,7 @@
           <a:p>
             <a:fld id="{323E8415-77D3-497D-A12F-F83B693E9467}" type="datetimeFigureOut">
               <a:rPr lang="pt-BR" smtClean="0"/>
-              <a:t>22/10/2020</a:t>
+              <a:t>10/11/2020</a:t>
             </a:fld>
             <a:endParaRPr lang="pt-BR"/>
           </a:p>
@@ -2665,7 +2670,7 @@
           <a:p>
             <a:fld id="{323E8415-77D3-497D-A12F-F83B693E9467}" type="datetimeFigureOut">
               <a:rPr lang="pt-BR" smtClean="0"/>
-              <a:t>22/10/2020</a:t>
+              <a:t>10/11/2020</a:t>
             </a:fld>
             <a:endParaRPr lang="pt-BR"/>
           </a:p>
@@ -2906,7 +2911,7 @@
           <a:p>
             <a:fld id="{323E8415-77D3-497D-A12F-F83B693E9467}" type="datetimeFigureOut">
               <a:rPr lang="pt-BR" smtClean="0"/>
-              <a:t>22/10/2020</a:t>
+              <a:t>10/11/2020</a:t>
             </a:fld>
             <a:endParaRPr lang="pt-BR"/>
           </a:p>
@@ -3323,12 +3328,99 @@
           <a:chExt cx="0" cy="0"/>
         </a:xfrm>
       </p:grpSpPr>
+      <p:sp>
+        <p:nvSpPr>
+          <p:cNvPr id="4" name="Espaço Reservado para Conteúdo 3">
+            <a:extLst>
+              <a:ext uri="{FF2B5EF4-FFF2-40B4-BE49-F238E27FC236}">
+                <a16:creationId xmlns:a16="http://schemas.microsoft.com/office/drawing/2014/main" id="{E17C544F-E7F5-4CEC-A0AC-8B1978FA0CD5}"/>
+              </a:ext>
+            </a:extLst>
+          </p:cNvPr>
+          <p:cNvSpPr>
+            <a:spLocks noGrp="1"/>
+          </p:cNvSpPr>
+          <p:nvPr>
+            <p:ph sz="half" idx="2"/>
+          </p:nvPr>
+        </p:nvSpPr>
+        <p:spPr>
+          <a:xfrm>
+            <a:off x="6225363" y="326434"/>
+            <a:ext cx="5181600" cy="4351338"/>
+          </a:xfrm>
+        </p:spPr>
+        <p:txBody>
+          <a:bodyPr>
+            <a:normAutofit fontScale="92500" lnSpcReduction="20000"/>
+          </a:bodyPr>
+          <a:lstStyle/>
+          <a:p>
+            <a:r>
+              <a:rPr lang="pt-BR" b="1" dirty="0"/>
+              <a:t>Processo: </a:t>
+            </a:r>
+            <a:r>
+              <a:rPr lang="pt-BR" dirty="0">
+                <a:solidFill>
+                  <a:srgbClr val="333333"/>
+                </a:solidFill>
+                <a:effectLst/>
+              </a:rPr>
+              <a:t>Definir horários da agenda</a:t>
+            </a:r>
+            <a:r>
+              <a:rPr lang="pt-BR" dirty="0"/>
+              <a:t>.</a:t>
+            </a:r>
+          </a:p>
+          <a:p>
+            <a:r>
+              <a:rPr lang="pt-BR" b="1" dirty="0"/>
+              <a:t>Evento: </a:t>
+            </a:r>
+            <a:r>
+              <a:rPr lang="pt-BR" dirty="0"/>
+              <a:t>Proprietário define agenda.</a:t>
+            </a:r>
+          </a:p>
+          <a:p>
+            <a:r>
+              <a:rPr lang="pt-BR" b="1" dirty="0"/>
+              <a:t>Objetivo: </a:t>
+            </a:r>
+            <a:r>
+              <a:rPr lang="pt-BR" dirty="0"/>
+              <a:t>Disponibilizar datas e horários para agendamento dos procedimentos.</a:t>
+            </a:r>
+          </a:p>
+          <a:p>
+            <a:r>
+              <a:rPr lang="pt-BR" b="1" dirty="0"/>
+              <a:t>Trabalhador Envolvido: </a:t>
+            </a:r>
+            <a:r>
+              <a:rPr lang="pt-BR" dirty="0"/>
+              <a:t>Proprietário.</a:t>
+            </a:r>
+          </a:p>
+          <a:p>
+            <a:pPr marL="0" indent="0">
+              <a:buNone/>
+            </a:pPr>
+            <a:r>
+              <a:rPr lang="pt-BR" dirty="0"/>
+              <a:t>Define os dias e horários disponíveis e indisponíveis para agendamento de procedimentos.</a:t>
+            </a:r>
+          </a:p>
+        </p:txBody>
+      </p:sp>
       <p:pic>
         <p:nvPicPr>
-          <p:cNvPr id="15" name="Espaço Reservado para Conteúdo 16">
-            <a:extLst>
-              <a:ext uri="{FF2B5EF4-FFF2-40B4-BE49-F238E27FC236}">
-                <a16:creationId xmlns:a16="http://schemas.microsoft.com/office/drawing/2014/main" id="{1533733D-0014-4511-B2E8-CC19A5C07AAF}"/>
+          <p:cNvPr id="5" name="Espaço Reservado para Conteúdo 4">
+            <a:extLst>
+              <a:ext uri="{FF2B5EF4-FFF2-40B4-BE49-F238E27FC236}">
+                <a16:creationId xmlns:a16="http://schemas.microsoft.com/office/drawing/2014/main" id="{71832354-5037-463F-AE5A-E603D7AB3F8A}"/>
               </a:ext>
             </a:extLst>
           </p:cNvPr>
@@ -3347,8 +3439,8 @@
         </p:blipFill>
         <p:spPr>
           <a:xfrm>
-            <a:off x="303652" y="326434"/>
-            <a:ext cx="4975683" cy="5850529"/>
+            <a:off x="308693" y="326435"/>
+            <a:ext cx="5657946" cy="6107704"/>
           </a:xfrm>
           <a:prstGeom prst="rect">
             <a:avLst/>
@@ -3369,7 +3461,7 @@
         </p:nvSpPr>
         <p:spPr>
           <a:xfrm>
-            <a:off x="839972" y="5305093"/>
+            <a:off x="1196281" y="5575029"/>
             <a:ext cx="988828" cy="743727"/>
           </a:xfrm>
           <a:prstGeom prst="ellipse">
@@ -3404,93 +3496,6 @@
           <a:p>
             <a:pPr algn="ctr"/>
             <a:endParaRPr lang="pt-BR"/>
-          </a:p>
-        </p:txBody>
-      </p:sp>
-      <p:sp>
-        <p:nvSpPr>
-          <p:cNvPr id="4" name="Espaço Reservado para Conteúdo 3">
-            <a:extLst>
-              <a:ext uri="{FF2B5EF4-FFF2-40B4-BE49-F238E27FC236}">
-                <a16:creationId xmlns:a16="http://schemas.microsoft.com/office/drawing/2014/main" id="{E17C544F-E7F5-4CEC-A0AC-8B1978FA0CD5}"/>
-              </a:ext>
-            </a:extLst>
-          </p:cNvPr>
-          <p:cNvSpPr>
-            <a:spLocks noGrp="1"/>
-          </p:cNvSpPr>
-          <p:nvPr>
-            <p:ph sz="half" idx="2"/>
-          </p:nvPr>
-        </p:nvSpPr>
-        <p:spPr>
-          <a:xfrm>
-            <a:off x="6225363" y="326434"/>
-            <a:ext cx="5181600" cy="4351338"/>
-          </a:xfrm>
-        </p:spPr>
-        <p:txBody>
-          <a:bodyPr>
-            <a:normAutofit fontScale="92500" lnSpcReduction="20000"/>
-          </a:bodyPr>
-          <a:lstStyle/>
-          <a:p>
-            <a:r>
-              <a:rPr lang="pt-BR" b="1" dirty="0"/>
-              <a:t>Processo: </a:t>
-            </a:r>
-            <a:r>
-              <a:rPr lang="pt-BR" dirty="0">
-                <a:solidFill>
-                  <a:srgbClr val="333333"/>
-                </a:solidFill>
-                <a:effectLst/>
-              </a:rPr>
-              <a:t>Definir horários da agenda</a:t>
-            </a:r>
-            <a:r>
-              <a:rPr lang="pt-BR" dirty="0"/>
-              <a:t>.</a:t>
-            </a:r>
-          </a:p>
-          <a:p>
-            <a:r>
-              <a:rPr lang="pt-BR" b="1" dirty="0"/>
-              <a:t>Evento: </a:t>
-            </a:r>
-            <a:r>
-              <a:rPr lang="pt-BR" dirty="0"/>
-              <a:t>Proprietário define agenda.</a:t>
-            </a:r>
-          </a:p>
-          <a:p>
-            <a:r>
-              <a:rPr lang="pt-BR" b="1" dirty="0"/>
-              <a:t>Objetivo: </a:t>
-            </a:r>
-            <a:r>
-              <a:rPr lang="pt-BR" dirty="0"/>
-              <a:t>Disponibilizar datas e horários para agendamento dos procedimentos.</a:t>
-            </a:r>
-          </a:p>
-          <a:p>
-            <a:r>
-              <a:rPr lang="pt-BR" b="1" dirty="0"/>
-              <a:t>Trabalhador Envolvido: </a:t>
-            </a:r>
-            <a:r>
-              <a:rPr lang="pt-BR" dirty="0"/>
-              <a:t>Proprietário.</a:t>
-            </a:r>
-          </a:p>
-          <a:p>
-            <a:pPr marL="0" indent="0">
-              <a:buNone/>
-            </a:pPr>
-            <a:r>
-              <a:rPr lang="pt-BR" dirty="0"/>
-              <a:t>Defini os dias e horários disponíveis para agendamento de procedimentos.</a:t>
-            </a:r>
           </a:p>
         </p:txBody>
       </p:sp>
@@ -3524,12 +3529,102 @@
           <a:chExt cx="0" cy="0"/>
         </a:xfrm>
       </p:grpSpPr>
+      <p:sp>
+        <p:nvSpPr>
+          <p:cNvPr id="4" name="Espaço Reservado para Conteúdo 3">
+            <a:extLst>
+              <a:ext uri="{FF2B5EF4-FFF2-40B4-BE49-F238E27FC236}">
+                <a16:creationId xmlns:a16="http://schemas.microsoft.com/office/drawing/2014/main" id="{3F242DBC-0346-4D05-B15B-994EB2AF5572}"/>
+              </a:ext>
+            </a:extLst>
+          </p:cNvPr>
+          <p:cNvSpPr>
+            <a:spLocks noGrp="1"/>
+          </p:cNvSpPr>
+          <p:nvPr>
+            <p:ph sz="half" idx="2"/>
+          </p:nvPr>
+        </p:nvSpPr>
+        <p:spPr>
+          <a:xfrm>
+            <a:off x="6439788" y="326434"/>
+            <a:ext cx="5181600" cy="4351338"/>
+          </a:xfrm>
+        </p:spPr>
+        <p:txBody>
+          <a:bodyPr>
+            <a:normAutofit fontScale="85000" lnSpcReduction="20000"/>
+          </a:bodyPr>
+          <a:lstStyle/>
+          <a:p>
+            <a:r>
+              <a:rPr lang="pt-BR" b="1" dirty="0"/>
+              <a:t>Processo: </a:t>
+            </a:r>
+            <a:r>
+              <a:rPr lang="pt-BR" dirty="0"/>
+              <a:t>Receber solicitação de agendamento.</a:t>
+            </a:r>
+          </a:p>
+          <a:p>
+            <a:r>
+              <a:rPr lang="pt-BR" b="1" dirty="0"/>
+              <a:t>Evento: </a:t>
+            </a:r>
+            <a:r>
+              <a:rPr lang="pt-BR" dirty="0"/>
+              <a:t>Cliente solicita agendamento.</a:t>
+            </a:r>
+          </a:p>
+          <a:p>
+            <a:r>
+              <a:rPr lang="pt-BR" b="1" dirty="0"/>
+              <a:t>Objetivo: </a:t>
+            </a:r>
+            <a:r>
+              <a:rPr lang="pt-BR" dirty="0"/>
+              <a:t>Analisar se data e horário informados pelo cliente estarão disponíveis .</a:t>
+            </a:r>
+          </a:p>
+          <a:p>
+            <a:r>
+              <a:rPr lang="pt-BR" b="1" dirty="0"/>
+              <a:t>Trabalhador Envolvido: </a:t>
+            </a:r>
+            <a:r>
+              <a:rPr lang="pt-BR" dirty="0"/>
+              <a:t>Recepcionista.</a:t>
+            </a:r>
+          </a:p>
+          <a:p>
+            <a:pPr marL="0" indent="0">
+              <a:buNone/>
+            </a:pPr>
+            <a:r>
+              <a:rPr lang="pt-BR" dirty="0"/>
+              <a:t>Verificar se a data e hora informada pelo cliente está disponível e solicita confirmação de agendamento.</a:t>
+            </a:r>
+          </a:p>
+          <a:p>
+            <a:pPr marL="0" indent="0">
+              <a:buNone/>
+            </a:pPr>
+            <a:r>
+              <a:rPr lang="pt-BR" dirty="0"/>
+              <a:t>Se não tiver disponibilidade de data e horário, informa ao cliente, sugere outra data e horário disponível e solicita confirmação de agendamento.</a:t>
+            </a:r>
+          </a:p>
+          <a:p>
+            <a:endParaRPr lang="pt-BR" dirty="0"/>
+          </a:p>
+        </p:txBody>
+      </p:sp>
       <p:pic>
         <p:nvPicPr>
-          <p:cNvPr id="15" name="Espaço Reservado para Conteúdo 16">
-            <a:extLst>
-              <a:ext uri="{FF2B5EF4-FFF2-40B4-BE49-F238E27FC236}">
-                <a16:creationId xmlns:a16="http://schemas.microsoft.com/office/drawing/2014/main" id="{639BA601-B67F-458E-B4B7-2F64D8947C9C}"/>
+          <p:cNvPr id="5" name="Espaço Reservado para Conteúdo 4">
+            <a:extLst>
+              <a:ext uri="{FF2B5EF4-FFF2-40B4-BE49-F238E27FC236}">
+                <a16:creationId xmlns:a16="http://schemas.microsoft.com/office/drawing/2014/main" id="{AF612FE7-12A1-446C-8201-3818FB84B116}"/>
               </a:ext>
             </a:extLst>
           </p:cNvPr>
@@ -3548,8 +3643,8 @@
         </p:blipFill>
         <p:spPr>
           <a:xfrm>
-            <a:off x="303652" y="326434"/>
-            <a:ext cx="5448561" cy="6206519"/>
+            <a:off x="465838" y="330485"/>
+            <a:ext cx="5645370" cy="6094128"/>
           </a:xfrm>
           <a:prstGeom prst="rect">
             <a:avLst/>
@@ -3558,109 +3653,19 @@
       </p:pic>
       <p:sp>
         <p:nvSpPr>
-          <p:cNvPr id="4" name="Espaço Reservado para Conteúdo 3">
-            <a:extLst>
-              <a:ext uri="{FF2B5EF4-FFF2-40B4-BE49-F238E27FC236}">
-                <a16:creationId xmlns:a16="http://schemas.microsoft.com/office/drawing/2014/main" id="{3F242DBC-0346-4D05-B15B-994EB2AF5572}"/>
-              </a:ext>
-            </a:extLst>
-          </p:cNvPr>
-          <p:cNvSpPr>
-            <a:spLocks noGrp="1"/>
-          </p:cNvSpPr>
-          <p:nvPr>
-            <p:ph sz="half" idx="2"/>
-          </p:nvPr>
+          <p:cNvPr id="7" name="Elipse 6">
+            <a:extLst>
+              <a:ext uri="{FF2B5EF4-FFF2-40B4-BE49-F238E27FC236}">
+                <a16:creationId xmlns:a16="http://schemas.microsoft.com/office/drawing/2014/main" id="{FC02337E-A25A-459D-A153-4E27DEE271E0}"/>
+              </a:ext>
+            </a:extLst>
+          </p:cNvPr>
+          <p:cNvSpPr/>
+          <p:nvPr/>
         </p:nvSpPr>
         <p:spPr>
           <a:xfrm>
-            <a:off x="6439788" y="326434"/>
-            <a:ext cx="5181600" cy="4351338"/>
-          </a:xfrm>
-        </p:spPr>
-        <p:txBody>
-          <a:bodyPr>
-            <a:normAutofit fontScale="85000" lnSpcReduction="20000"/>
-          </a:bodyPr>
-          <a:lstStyle/>
-          <a:p>
-            <a:r>
-              <a:rPr lang="pt-BR" b="1" dirty="0"/>
-              <a:t>Processo: </a:t>
-            </a:r>
-            <a:r>
-              <a:rPr lang="pt-BR" dirty="0"/>
-              <a:t>Receber solicitação de agendamento.</a:t>
-            </a:r>
-          </a:p>
-          <a:p>
-            <a:r>
-              <a:rPr lang="pt-BR" b="1" dirty="0"/>
-              <a:t>Evento: </a:t>
-            </a:r>
-            <a:r>
-              <a:rPr lang="pt-BR" dirty="0"/>
-              <a:t>Cliente solicita agendamento.</a:t>
-            </a:r>
-          </a:p>
-          <a:p>
-            <a:r>
-              <a:rPr lang="pt-BR" b="1" dirty="0"/>
-              <a:t>Objetivo: </a:t>
-            </a:r>
-            <a:r>
-              <a:rPr lang="pt-BR" dirty="0"/>
-              <a:t>Analisar se data e horário informados pelo cliente estarão disponíveis .</a:t>
-            </a:r>
-          </a:p>
-          <a:p>
-            <a:r>
-              <a:rPr lang="pt-BR" b="1" dirty="0"/>
-              <a:t>Trabalhador Envolvido: </a:t>
-            </a:r>
-            <a:r>
-              <a:rPr lang="pt-BR" dirty="0"/>
-              <a:t>Recepcionista.</a:t>
-            </a:r>
-          </a:p>
-          <a:p>
-            <a:pPr marL="0" indent="0">
-              <a:buNone/>
-            </a:pPr>
-            <a:r>
-              <a:rPr lang="pt-BR" dirty="0"/>
-              <a:t>Verificar se a data e hora informada pelo cliente está disponível e solicita confirmação de agendamento.</a:t>
-            </a:r>
-          </a:p>
-          <a:p>
-            <a:pPr marL="0" indent="0">
-              <a:buNone/>
-            </a:pPr>
-            <a:r>
-              <a:rPr lang="pt-BR" dirty="0"/>
-              <a:t>Se não tiver disponibilidade de data e horário, informa ao cliente, sugere outra data e horário disponível e solicita confirmação de agendamento.</a:t>
-            </a:r>
-          </a:p>
-          <a:p>
-            <a:endParaRPr lang="pt-BR" dirty="0"/>
-          </a:p>
-        </p:txBody>
-      </p:sp>
-      <p:sp>
-        <p:nvSpPr>
-          <p:cNvPr id="7" name="Elipse 6">
-            <a:extLst>
-              <a:ext uri="{FF2B5EF4-FFF2-40B4-BE49-F238E27FC236}">
-                <a16:creationId xmlns:a16="http://schemas.microsoft.com/office/drawing/2014/main" id="{FC02337E-A25A-459D-A153-4E27DEE271E0}"/>
-              </a:ext>
-            </a:extLst>
-          </p:cNvPr>
-          <p:cNvSpPr/>
-          <p:nvPr/>
-        </p:nvSpPr>
-        <p:spPr>
-          <a:xfrm>
-            <a:off x="1541721" y="2613743"/>
+            <a:off x="1913196" y="2627700"/>
             <a:ext cx="988828" cy="772725"/>
           </a:xfrm>
           <a:prstGeom prst="ellipse">
@@ -3728,12 +3733,90 @@
           <a:chExt cx="0" cy="0"/>
         </a:xfrm>
       </p:grpSpPr>
+      <p:sp>
+        <p:nvSpPr>
+          <p:cNvPr id="4" name="Espaço Reservado para Conteúdo 3">
+            <a:extLst>
+              <a:ext uri="{FF2B5EF4-FFF2-40B4-BE49-F238E27FC236}">
+                <a16:creationId xmlns:a16="http://schemas.microsoft.com/office/drawing/2014/main" id="{314113D0-E71F-4FC5-9F65-B3E021D56B39}"/>
+              </a:ext>
+            </a:extLst>
+          </p:cNvPr>
+          <p:cNvSpPr>
+            <a:spLocks noGrp="1"/>
+          </p:cNvSpPr>
+          <p:nvPr>
+            <p:ph sz="half" idx="2"/>
+          </p:nvPr>
+        </p:nvSpPr>
+        <p:spPr>
+          <a:xfrm>
+            <a:off x="6374219" y="400862"/>
+            <a:ext cx="5181600" cy="4351338"/>
+          </a:xfrm>
+        </p:spPr>
+        <p:txBody>
+          <a:bodyPr>
+            <a:noAutofit/>
+          </a:bodyPr>
+          <a:lstStyle/>
+          <a:p>
+            <a:r>
+              <a:rPr lang="pt-BR" sz="2400" b="1" dirty="0"/>
+              <a:t>Processo:</a:t>
+            </a:r>
+            <a:r>
+              <a:rPr lang="pt-BR" sz="2400" dirty="0"/>
+              <a:t> Agendar Banho e Tosa</a:t>
+            </a:r>
+          </a:p>
+          <a:p>
+            <a:r>
+              <a:rPr lang="pt-BR" sz="2400" b="1" dirty="0"/>
+              <a:t>Evento: </a:t>
+            </a:r>
+            <a:r>
+              <a:rPr lang="pt-BR" sz="2400" dirty="0"/>
+              <a:t>Cliente responde solicitação de confirmação</a:t>
+            </a:r>
+          </a:p>
+          <a:p>
+            <a:r>
+              <a:rPr lang="pt-BR" sz="2400" b="1" dirty="0"/>
+              <a:t>Objetivo: </a:t>
+            </a:r>
+            <a:r>
+              <a:rPr lang="pt-BR" sz="2400" dirty="0"/>
+              <a:t>Agendar banho e tosa na data e hora confirmada pelo cliente</a:t>
+            </a:r>
+          </a:p>
+          <a:p>
+            <a:r>
+              <a:rPr lang="pt-BR" sz="2400" b="1" dirty="0"/>
+              <a:t>Trabalhador Envolvido: </a:t>
+            </a:r>
+            <a:r>
+              <a:rPr lang="pt-BR" sz="2400" dirty="0"/>
+              <a:t>Recepcionista</a:t>
+            </a:r>
+          </a:p>
+          <a:p>
+            <a:pPr marL="0" indent="0">
+              <a:buNone/>
+            </a:pPr>
+            <a:r>
+              <a:rPr lang="pt-BR" sz="2400" dirty="0"/>
+              <a:t>Agenda consulta na data e hora confirmada e informa o cliente sobre o agendamento.</a:t>
+            </a:r>
+          </a:p>
+        </p:txBody>
+      </p:sp>
       <p:pic>
         <p:nvPicPr>
-          <p:cNvPr id="15" name="Espaço Reservado para Conteúdo 16">
-            <a:extLst>
-              <a:ext uri="{FF2B5EF4-FFF2-40B4-BE49-F238E27FC236}">
-                <a16:creationId xmlns:a16="http://schemas.microsoft.com/office/drawing/2014/main" id="{AC2ABAFC-17B8-4686-BE83-090CEB4A5BCA}"/>
+          <p:cNvPr id="5" name="Espaço Reservado para Conteúdo 4">
+            <a:extLst>
+              <a:ext uri="{FF2B5EF4-FFF2-40B4-BE49-F238E27FC236}">
+                <a16:creationId xmlns:a16="http://schemas.microsoft.com/office/drawing/2014/main" id="{74FD04D6-BEBF-4FF8-9828-00CB37058B48}"/>
               </a:ext>
             </a:extLst>
           </p:cNvPr>
@@ -3752,8 +3835,8 @@
         </p:blipFill>
         <p:spPr>
           <a:xfrm>
-            <a:off x="243054" y="255180"/>
-            <a:ext cx="5574728" cy="6290275"/>
+            <a:off x="495301" y="307411"/>
+            <a:ext cx="5587332" cy="6031477"/>
           </a:xfrm>
           <a:prstGeom prst="rect">
             <a:avLst/>
@@ -3762,97 +3845,19 @@
       </p:pic>
       <p:sp>
         <p:nvSpPr>
-          <p:cNvPr id="4" name="Espaço Reservado para Conteúdo 3">
-            <a:extLst>
-              <a:ext uri="{FF2B5EF4-FFF2-40B4-BE49-F238E27FC236}">
-                <a16:creationId xmlns:a16="http://schemas.microsoft.com/office/drawing/2014/main" id="{314113D0-E71F-4FC5-9F65-B3E021D56B39}"/>
-              </a:ext>
-            </a:extLst>
-          </p:cNvPr>
-          <p:cNvSpPr>
-            <a:spLocks noGrp="1"/>
-          </p:cNvSpPr>
-          <p:nvPr>
-            <p:ph sz="half" idx="2"/>
-          </p:nvPr>
+          <p:cNvPr id="7" name="Elipse 6">
+            <a:extLst>
+              <a:ext uri="{FF2B5EF4-FFF2-40B4-BE49-F238E27FC236}">
+                <a16:creationId xmlns:a16="http://schemas.microsoft.com/office/drawing/2014/main" id="{7539D4F1-B37B-4338-AAAF-83E8469FDA9C}"/>
+              </a:ext>
+            </a:extLst>
+          </p:cNvPr>
+          <p:cNvSpPr/>
+          <p:nvPr/>
         </p:nvSpPr>
         <p:spPr>
           <a:xfrm>
-            <a:off x="6374219" y="400862"/>
-            <a:ext cx="5181600" cy="4351338"/>
-          </a:xfrm>
-        </p:spPr>
-        <p:txBody>
-          <a:bodyPr>
-            <a:noAutofit/>
-          </a:bodyPr>
-          <a:lstStyle/>
-          <a:p>
-            <a:r>
-              <a:rPr lang="pt-BR" sz="2400" b="1" dirty="0"/>
-              <a:t>Processo:</a:t>
-            </a:r>
-            <a:r>
-              <a:rPr lang="pt-BR" sz="2400" dirty="0"/>
-              <a:t> Agendar Consulta</a:t>
-            </a:r>
-          </a:p>
-          <a:p>
-            <a:r>
-              <a:rPr lang="pt-BR" sz="2400" b="1" dirty="0"/>
-              <a:t>Evento: </a:t>
-            </a:r>
-            <a:r>
-              <a:rPr lang="pt-BR" sz="2400" dirty="0"/>
-              <a:t>Cliente responde solicitação de confirmação</a:t>
-            </a:r>
-          </a:p>
-          <a:p>
-            <a:r>
-              <a:rPr lang="pt-BR" sz="2400" b="1" dirty="0"/>
-              <a:t>Objetivo: </a:t>
-            </a:r>
-            <a:r>
-              <a:rPr lang="pt-BR" sz="2400" dirty="0"/>
-              <a:t>Agendar consulta na data e hora confirmada pelo cliente</a:t>
-            </a:r>
-          </a:p>
-          <a:p>
-            <a:r>
-              <a:rPr lang="pt-BR" sz="2400" b="1" dirty="0"/>
-              <a:t>Trabalhador Envolvido: </a:t>
-            </a:r>
-            <a:r>
-              <a:rPr lang="pt-BR" sz="2400" dirty="0"/>
-              <a:t>Recepcionista</a:t>
-            </a:r>
-          </a:p>
-          <a:p>
-            <a:pPr marL="0" indent="0">
-              <a:buNone/>
-            </a:pPr>
-            <a:r>
-              <a:rPr lang="pt-BR" sz="2400" dirty="0"/>
-              <a:t>Agenda consulta na data e hora confirmada e informa o cliente sobre o agendamento.</a:t>
-            </a:r>
-          </a:p>
-        </p:txBody>
-      </p:sp>
-      <p:sp>
-        <p:nvSpPr>
-          <p:cNvPr id="7" name="Elipse 6">
-            <a:extLst>
-              <a:ext uri="{FF2B5EF4-FFF2-40B4-BE49-F238E27FC236}">
-                <a16:creationId xmlns:a16="http://schemas.microsoft.com/office/drawing/2014/main" id="{7539D4F1-B37B-4338-AAAF-83E8469FDA9C}"/>
-              </a:ext>
-            </a:extLst>
-          </p:cNvPr>
-          <p:cNvSpPr/>
-          <p:nvPr/>
-        </p:nvSpPr>
-        <p:spPr>
-          <a:xfrm>
-            <a:off x="3253563" y="2539322"/>
+            <a:off x="3510738" y="2560582"/>
             <a:ext cx="988828" cy="868418"/>
           </a:xfrm>
           <a:prstGeom prst="ellipse">
